--- a/doc/hibbs.pptx
+++ b/doc/hibbs.pptx
@@ -251,7 +251,7 @@
           <a:p>
             <a:fld id="{EF1C0C7B-5F7B-4CFA-801E-DA92625D5C2E}" type="datetimeFigureOut">
               <a:rPr lang="zh-CN" altLang="en-US" smtClean="0"/>
-              <a:t>2016/6/4</a:t>
+              <a:t>2016/6/5</a:t>
             </a:fld>
             <a:endParaRPr lang="zh-CN" altLang="en-US"/>
           </a:p>
@@ -421,7 +421,7 @@
           <a:p>
             <a:fld id="{EF1C0C7B-5F7B-4CFA-801E-DA92625D5C2E}" type="datetimeFigureOut">
               <a:rPr lang="zh-CN" altLang="en-US" smtClean="0"/>
-              <a:t>2016/6/4</a:t>
+              <a:t>2016/6/5</a:t>
             </a:fld>
             <a:endParaRPr lang="zh-CN" altLang="en-US"/>
           </a:p>
@@ -601,7 +601,7 @@
           <a:p>
             <a:fld id="{EF1C0C7B-5F7B-4CFA-801E-DA92625D5C2E}" type="datetimeFigureOut">
               <a:rPr lang="zh-CN" altLang="en-US" smtClean="0"/>
-              <a:t>2016/6/4</a:t>
+              <a:t>2016/6/5</a:t>
             </a:fld>
             <a:endParaRPr lang="zh-CN" altLang="en-US"/>
           </a:p>
@@ -771,7 +771,7 @@
           <a:p>
             <a:fld id="{EF1C0C7B-5F7B-4CFA-801E-DA92625D5C2E}" type="datetimeFigureOut">
               <a:rPr lang="zh-CN" altLang="en-US" smtClean="0"/>
-              <a:t>2016/6/4</a:t>
+              <a:t>2016/6/5</a:t>
             </a:fld>
             <a:endParaRPr lang="zh-CN" altLang="en-US"/>
           </a:p>
@@ -1017,7 +1017,7 @@
           <a:p>
             <a:fld id="{EF1C0C7B-5F7B-4CFA-801E-DA92625D5C2E}" type="datetimeFigureOut">
               <a:rPr lang="zh-CN" altLang="en-US" smtClean="0"/>
-              <a:t>2016/6/4</a:t>
+              <a:t>2016/6/5</a:t>
             </a:fld>
             <a:endParaRPr lang="zh-CN" altLang="en-US"/>
           </a:p>
@@ -1249,7 +1249,7 @@
           <a:p>
             <a:fld id="{EF1C0C7B-5F7B-4CFA-801E-DA92625D5C2E}" type="datetimeFigureOut">
               <a:rPr lang="zh-CN" altLang="en-US" smtClean="0"/>
-              <a:t>2016/6/4</a:t>
+              <a:t>2016/6/5</a:t>
             </a:fld>
             <a:endParaRPr lang="zh-CN" altLang="en-US"/>
           </a:p>
@@ -1616,7 +1616,7 @@
           <a:p>
             <a:fld id="{EF1C0C7B-5F7B-4CFA-801E-DA92625D5C2E}" type="datetimeFigureOut">
               <a:rPr lang="zh-CN" altLang="en-US" smtClean="0"/>
-              <a:t>2016/6/4</a:t>
+              <a:t>2016/6/5</a:t>
             </a:fld>
             <a:endParaRPr lang="zh-CN" altLang="en-US"/>
           </a:p>
@@ -1734,7 +1734,7 @@
           <a:p>
             <a:fld id="{EF1C0C7B-5F7B-4CFA-801E-DA92625D5C2E}" type="datetimeFigureOut">
               <a:rPr lang="zh-CN" altLang="en-US" smtClean="0"/>
-              <a:t>2016/6/4</a:t>
+              <a:t>2016/6/5</a:t>
             </a:fld>
             <a:endParaRPr lang="zh-CN" altLang="en-US"/>
           </a:p>
@@ -1829,7 +1829,7 @@
           <a:p>
             <a:fld id="{EF1C0C7B-5F7B-4CFA-801E-DA92625D5C2E}" type="datetimeFigureOut">
               <a:rPr lang="zh-CN" altLang="en-US" smtClean="0"/>
-              <a:t>2016/6/4</a:t>
+              <a:t>2016/6/5</a:t>
             </a:fld>
             <a:endParaRPr lang="zh-CN" altLang="en-US"/>
           </a:p>
@@ -2106,7 +2106,7 @@
           <a:p>
             <a:fld id="{EF1C0C7B-5F7B-4CFA-801E-DA92625D5C2E}" type="datetimeFigureOut">
               <a:rPr lang="zh-CN" altLang="en-US" smtClean="0"/>
-              <a:t>2016/6/4</a:t>
+              <a:t>2016/6/5</a:t>
             </a:fld>
             <a:endParaRPr lang="zh-CN" altLang="en-US"/>
           </a:p>
@@ -2359,7 +2359,7 @@
           <a:p>
             <a:fld id="{EF1C0C7B-5F7B-4CFA-801E-DA92625D5C2E}" type="datetimeFigureOut">
               <a:rPr lang="zh-CN" altLang="en-US" smtClean="0"/>
-              <a:t>2016/6/4</a:t>
+              <a:t>2016/6/5</a:t>
             </a:fld>
             <a:endParaRPr lang="zh-CN" altLang="en-US"/>
           </a:p>
@@ -2572,7 +2572,7 @@
           <a:p>
             <a:fld id="{EF1C0C7B-5F7B-4CFA-801E-DA92625D5C2E}" type="datetimeFigureOut">
               <a:rPr lang="zh-CN" altLang="en-US" smtClean="0"/>
-              <a:t>2016/6/4</a:t>
+              <a:t>2016/6/5</a:t>
             </a:fld>
             <a:endParaRPr lang="zh-CN" altLang="en-US"/>
           </a:p>
@@ -6920,7 +6920,7 @@
         </p:spPr>
         <p:txBody>
           <a:bodyPr>
-            <a:normAutofit lnSpcReduction="10000"/>
+            <a:normAutofit/>
           </a:bodyPr>
           <a:lstStyle/>
           <a:p>
@@ -6963,18 +6963,14 @@
             <a:endParaRPr lang="en-US" altLang="zh-CN" dirty="0" smtClean="0"/>
           </a:p>
           <a:p>
-            <a:pPr lvl="1"/>
+            <a:pPr lvl="2"/>
             <a:r>
               <a:rPr lang="zh-CN" altLang="en-US" dirty="0" smtClean="0"/>
-              <a:t>查看帖子详情</a:t>
-            </a:r>
-            <a:endParaRPr lang="en-US" altLang="zh-CN" dirty="0" smtClean="0"/>
-          </a:p>
-          <a:p>
-            <a:pPr lvl="2"/>
+              <a:t>查看帖子</a:t>
+            </a:r>
             <a:r>
               <a:rPr lang="zh-CN" altLang="en-US" dirty="0" smtClean="0"/>
-              <a:t>获取帖子详细信息</a:t>
+              <a:t>详情</a:t>
             </a:r>
             <a:endParaRPr lang="en-US" altLang="zh-CN" dirty="0" smtClean="0"/>
           </a:p>
